--- a/node-sravani.pptx
+++ b/node-sravani.pptx
@@ -6043,8 +6043,8 @@
         </p:nvSpPr>
         <p:spPr>
           <a:xfrm>
-            <a:off x="675862" y="610136"/>
-            <a:ext cx="8955156" cy="5386090"/>
+            <a:off x="675862" y="982176"/>
+            <a:ext cx="8915399" cy="5262979"/>
           </a:xfrm>
           <a:prstGeom prst="rect">
             <a:avLst/>
@@ -6062,7 +6062,7 @@
               <a:buChar char="•"/>
             </a:pPr>
             <a:r>
-              <a:rPr lang="en-US" sz="3200" b="1" dirty="0" err="1">
+              <a:rPr lang="en-US" sz="3200" dirty="0" err="1">
                 <a:solidFill>
                   <a:srgbClr val="222222"/>
                 </a:solidFill>
@@ -6073,7 +6073,7 @@
               <a:t>npm</a:t>
             </a:r>
             <a:r>
-              <a:rPr lang="en-US" sz="3200" b="1" dirty="0">
+              <a:rPr lang="en-US" sz="3200" dirty="0">
                 <a:solidFill>
                   <a:srgbClr val="222222"/>
                 </a:solidFill>
@@ -6093,7 +6093,17 @@
                 <a:latin typeface="Calibri" panose="020F0502020204030204" pitchFamily="34" charset="0"/>
                 <a:cs typeface="Calibri" panose="020F0502020204030204" pitchFamily="34" charset="0"/>
               </a:rPr>
-              <a:t>		The quickest way to get started with express is to 				utilize the executable express to generate an 					application  </a:t>
+              <a:t>	</a:t>
+            </a:r>
+            <a:r>
+              <a:rPr lang="en-US" sz="2400" dirty="0">
+                <a:solidFill>
+                  <a:srgbClr val="222222"/>
+                </a:solidFill>
+                <a:latin typeface="Calibri" panose="020F0502020204030204" pitchFamily="34" charset="0"/>
+                <a:cs typeface="Calibri" panose="020F0502020204030204" pitchFamily="34" charset="0"/>
+              </a:rPr>
+              <a:t>The quickest way to get started with express is to utilize the 	executable express to generate an application  </a:t>
             </a:r>
           </a:p>
           <a:p>
@@ -6108,7 +6118,7 @@
               <a:buChar char="•"/>
             </a:pPr>
             <a:r>
-              <a:rPr lang="en-US" sz="3200" b="1" dirty="0">
+              <a:rPr lang="en-US" sz="3200" dirty="0">
                 <a:solidFill>
                   <a:srgbClr val="222222"/>
                 </a:solidFill>
@@ -6128,7 +6138,17 @@
                 <a:latin typeface="Calibri" panose="020F0502020204030204" pitchFamily="34" charset="0"/>
                 <a:cs typeface="Calibri" panose="020F0502020204030204" pitchFamily="34" charset="0"/>
               </a:rPr>
-              <a:t>		Will generate the required folders and files to start 			with the node application</a:t>
+              <a:t>	</a:t>
+            </a:r>
+            <a:r>
+              <a:rPr lang="en-US" sz="2400" dirty="0">
+                <a:solidFill>
+                  <a:srgbClr val="222222"/>
+                </a:solidFill>
+                <a:latin typeface="Calibri" panose="020F0502020204030204" pitchFamily="34" charset="0"/>
+                <a:cs typeface="Calibri" panose="020F0502020204030204" pitchFamily="34" charset="0"/>
+              </a:rPr>
+              <a:t>Will generate the required folders and files to start with the node 	application</a:t>
             </a:r>
           </a:p>
           <a:p>
@@ -6147,7 +6167,7 @@
               <a:buChar char="•"/>
             </a:pPr>
             <a:r>
-              <a:rPr lang="en-US" sz="2800" b="1" dirty="0" err="1">
+              <a:rPr lang="en-US" sz="2800" dirty="0" err="1">
                 <a:solidFill>
                   <a:srgbClr val="222222"/>
                 </a:solidFill>
@@ -6158,7 +6178,7 @@
               <a:t>npm</a:t>
             </a:r>
             <a:r>
-              <a:rPr lang="en-US" sz="2800" b="1" dirty="0">
+              <a:rPr lang="en-US" sz="2800" dirty="0">
                 <a:solidFill>
                   <a:srgbClr val="222222"/>
                 </a:solidFill>
@@ -6168,6 +6188,36 @@
               </a:rPr>
               <a:t> install</a:t>
             </a:r>
+          </a:p>
+          <a:p>
+            <a:r>
+              <a:rPr lang="en-US" sz="2800" dirty="0">
+                <a:solidFill>
+                  <a:srgbClr val="222222"/>
+                </a:solidFill>
+                <a:latin typeface="Calibri" panose="020F0502020204030204" pitchFamily="34" charset="0"/>
+                <a:cs typeface="Calibri" panose="020F0502020204030204" pitchFamily="34" charset="0"/>
+              </a:rPr>
+              <a:t>	Will install all the dependencies saved in </a:t>
+            </a:r>
+            <a:r>
+              <a:rPr lang="en-US" sz="2800" dirty="0" err="1">
+                <a:solidFill>
+                  <a:srgbClr val="222222"/>
+                </a:solidFill>
+                <a:latin typeface="Calibri" panose="020F0502020204030204" pitchFamily="34" charset="0"/>
+                <a:cs typeface="Calibri" panose="020F0502020204030204" pitchFamily="34" charset="0"/>
+              </a:rPr>
+              <a:t>package.json</a:t>
+            </a:r>
+            <a:endParaRPr lang="en-US" sz="2800" dirty="0">
+              <a:solidFill>
+                <a:srgbClr val="222222"/>
+              </a:solidFill>
+              <a:effectLst/>
+              <a:latin typeface="Calibri" panose="020F0502020204030204" pitchFamily="34" charset="0"/>
+              <a:cs typeface="Calibri" panose="020F0502020204030204" pitchFamily="34" charset="0"/>
+            </a:endParaRPr>
           </a:p>
           <a:p>
             <a:endParaRPr lang="en-US" sz="2800" dirty="0">
@@ -6341,7 +6391,7 @@
         <p:spPr>
           <a:xfrm>
             <a:off x="983974" y="779430"/>
-            <a:ext cx="8706678" cy="2769989"/>
+            <a:ext cx="8706678" cy="3323987"/>
           </a:xfrm>
           <a:prstGeom prst="rect">
             <a:avLst/>
@@ -6359,7 +6409,7 @@
               <a:buChar char="•"/>
             </a:pPr>
             <a:r>
-              <a:rPr lang="en-US" sz="2400" b="1" dirty="0" err="1">
+              <a:rPr lang="en-US" sz="2800" dirty="0" err="1">
                 <a:solidFill>
                   <a:srgbClr val="222222"/>
                 </a:solidFill>
@@ -6370,7 +6420,7 @@
               <a:t>npm</a:t>
             </a:r>
             <a:r>
-              <a:rPr lang="en-US" sz="2400" b="1" dirty="0">
+              <a:rPr lang="en-US" sz="2800" dirty="0">
                 <a:solidFill>
                   <a:srgbClr val="222222"/>
                 </a:solidFill>
@@ -6423,26 +6473,22 @@
               <a:buChar char="•"/>
             </a:pPr>
             <a:r>
-              <a:rPr lang="en-US" sz="2400" b="1" dirty="0">
+              <a:rPr lang="en-US" sz="2800" dirty="0">
                 <a:solidFill>
                   <a:srgbClr val="222222"/>
                 </a:solidFill>
                 <a:latin typeface="Calibri" panose="020F0502020204030204" pitchFamily="34" charset="0"/>
                 <a:cs typeface="Calibri" panose="020F0502020204030204" pitchFamily="34" charset="0"/>
               </a:rPr>
-              <a:t>Connect to </a:t>
-            </a:r>
-            <a:r>
-              <a:rPr lang="en-US" sz="2400" b="1" dirty="0" err="1">
-                <a:solidFill>
-                  <a:srgbClr val="222222"/>
-                </a:solidFill>
-                <a:latin typeface="Calibri" panose="020F0502020204030204" pitchFamily="34" charset="0"/>
-                <a:cs typeface="Calibri" panose="020F0502020204030204" pitchFamily="34" charset="0"/>
-              </a:rPr>
-              <a:t>mongoDB</a:t>
-            </a:r>
-            <a:endParaRPr lang="en-US" sz="2400" b="1" dirty="0">
+              <a:t>Connect to mongoDB</a:t>
+            </a:r>
+          </a:p>
+          <a:p>
+            <a:pPr marL="285750" indent="-285750">
+              <a:buFont typeface="Arial" panose="020B0604020202020204" pitchFamily="34" charset="0"/>
+              <a:buChar char="•"/>
+            </a:pPr>
+            <a:endParaRPr lang="en-US" sz="2800" dirty="0">
               <a:solidFill>
                 <a:srgbClr val="222222"/>
               </a:solidFill>
@@ -6490,7 +6536,7 @@
         </p:blipFill>
         <p:spPr>
           <a:xfrm>
-            <a:off x="1371601" y="3429000"/>
+            <a:off x="1351723" y="3816626"/>
             <a:ext cx="6380920" cy="1964359"/>
           </a:xfrm>
           <a:prstGeom prst="rect">
@@ -8066,21 +8112,7 @@
                 <a:latin typeface="Calibri" panose="020F0502020204030204" pitchFamily="34" charset="0"/>
                 <a:cs typeface="Calibri" panose="020F0502020204030204" pitchFamily="34" charset="0"/>
               </a:rPr>
-              <a:t>3. Your </a:t>
-            </a:r>
-            <a:r>
-              <a:rPr lang="en-US" sz="3200" dirty="0" err="1">
-                <a:latin typeface="Calibri" panose="020F0502020204030204" pitchFamily="34" charset="0"/>
-                <a:cs typeface="Calibri" panose="020F0502020204030204" pitchFamily="34" charset="0"/>
-              </a:rPr>
-              <a:t>favaroute</a:t>
-            </a:r>
-            <a:r>
-              <a:rPr lang="en-US" sz="3200" dirty="0">
-                <a:latin typeface="Calibri" panose="020F0502020204030204" pitchFamily="34" charset="0"/>
-                <a:cs typeface="Calibri" panose="020F0502020204030204" pitchFamily="34" charset="0"/>
-              </a:rPr>
-              <a:t> IDE</a:t>
+              <a:t>3. Your favorite IDE</a:t>
             </a:r>
           </a:p>
           <a:p>
